--- a/MallSpelprototyp.pptx
+++ b/MallSpelprototyp.pptx
@@ -265,7 +265,7 @@
           <a:p>
             <a:fld id="{8E64B585-400C-455D-9535-796762DC7C0E}" type="datetimeFigureOut">
               <a:rPr lang="sv-SE" smtClean="0"/>
-              <a:t>2023-08-22</a:t>
+              <a:t>2023-09-11</a:t>
             </a:fld>
             <a:endParaRPr lang="sv-SE"/>
           </a:p>
@@ -465,7 +465,7 @@
           <a:p>
             <a:fld id="{8E64B585-400C-455D-9535-796762DC7C0E}" type="datetimeFigureOut">
               <a:rPr lang="sv-SE" smtClean="0"/>
-              <a:t>2023-08-22</a:t>
+              <a:t>2023-09-11</a:t>
             </a:fld>
             <a:endParaRPr lang="sv-SE"/>
           </a:p>
@@ -675,7 +675,7 @@
           <a:p>
             <a:fld id="{8E64B585-400C-455D-9535-796762DC7C0E}" type="datetimeFigureOut">
               <a:rPr lang="sv-SE" smtClean="0"/>
-              <a:t>2023-08-22</a:t>
+              <a:t>2023-09-11</a:t>
             </a:fld>
             <a:endParaRPr lang="sv-SE"/>
           </a:p>
@@ -875,7 +875,7 @@
           <a:p>
             <a:fld id="{8E64B585-400C-455D-9535-796762DC7C0E}" type="datetimeFigureOut">
               <a:rPr lang="sv-SE" smtClean="0"/>
-              <a:t>2023-08-22</a:t>
+              <a:t>2023-09-11</a:t>
             </a:fld>
             <a:endParaRPr lang="sv-SE"/>
           </a:p>
@@ -1151,7 +1151,7 @@
           <a:p>
             <a:fld id="{8E64B585-400C-455D-9535-796762DC7C0E}" type="datetimeFigureOut">
               <a:rPr lang="sv-SE" smtClean="0"/>
-              <a:t>2023-08-22</a:t>
+              <a:t>2023-09-11</a:t>
             </a:fld>
             <a:endParaRPr lang="sv-SE"/>
           </a:p>
@@ -1419,7 +1419,7 @@
           <a:p>
             <a:fld id="{8E64B585-400C-455D-9535-796762DC7C0E}" type="datetimeFigureOut">
               <a:rPr lang="sv-SE" smtClean="0"/>
-              <a:t>2023-08-22</a:t>
+              <a:t>2023-09-11</a:t>
             </a:fld>
             <a:endParaRPr lang="sv-SE"/>
           </a:p>
@@ -1834,7 +1834,7 @@
           <a:p>
             <a:fld id="{8E64B585-400C-455D-9535-796762DC7C0E}" type="datetimeFigureOut">
               <a:rPr lang="sv-SE" smtClean="0"/>
-              <a:t>2023-08-22</a:t>
+              <a:t>2023-09-11</a:t>
             </a:fld>
             <a:endParaRPr lang="sv-SE"/>
           </a:p>
@@ -1976,7 +1976,7 @@
           <a:p>
             <a:fld id="{8E64B585-400C-455D-9535-796762DC7C0E}" type="datetimeFigureOut">
               <a:rPr lang="sv-SE" smtClean="0"/>
-              <a:t>2023-08-22</a:t>
+              <a:t>2023-09-11</a:t>
             </a:fld>
             <a:endParaRPr lang="sv-SE"/>
           </a:p>
@@ -2089,7 +2089,7 @@
           <a:p>
             <a:fld id="{8E64B585-400C-455D-9535-796762DC7C0E}" type="datetimeFigureOut">
               <a:rPr lang="sv-SE" smtClean="0"/>
-              <a:t>2023-08-22</a:t>
+              <a:t>2023-09-11</a:t>
             </a:fld>
             <a:endParaRPr lang="sv-SE"/>
           </a:p>
@@ -2402,7 +2402,7 @@
           <a:p>
             <a:fld id="{8E64B585-400C-455D-9535-796762DC7C0E}" type="datetimeFigureOut">
               <a:rPr lang="sv-SE" smtClean="0"/>
-              <a:t>2023-08-22</a:t>
+              <a:t>2023-09-11</a:t>
             </a:fld>
             <a:endParaRPr lang="sv-SE"/>
           </a:p>
@@ -2691,7 +2691,7 @@
           <a:p>
             <a:fld id="{8E64B585-400C-455D-9535-796762DC7C0E}" type="datetimeFigureOut">
               <a:rPr lang="sv-SE" smtClean="0"/>
-              <a:t>2023-08-22</a:t>
+              <a:t>2023-09-11</a:t>
             </a:fld>
             <a:endParaRPr lang="sv-SE"/>
           </a:p>
@@ -2934,7 +2934,7 @@
           <a:p>
             <a:fld id="{8E64B585-400C-455D-9535-796762DC7C0E}" type="datetimeFigureOut">
               <a:rPr lang="sv-SE" smtClean="0"/>
-              <a:t>2023-08-22</a:t>
+              <a:t>2023-09-11</a:t>
             </a:fld>
             <a:endParaRPr lang="sv-SE"/>
           </a:p>
@@ -3378,8 +3378,12 @@
           <a:lstStyle/>
           <a:p>
             <a:r>
+              <a:rPr lang="sv-SE" dirty="0" err="1"/>
+              <a:t>Lukanoid</a:t>
+            </a:r>
+            <a:r>
               <a:rPr lang="sv-SE" dirty="0"/>
-              <a:t>[Spelets namn]: spelprototyp </a:t>
+              <a:t>: spelprototyp </a:t>
             </a:r>
           </a:p>
         </p:txBody>
@@ -3407,13 +3411,13 @@
           <a:p>
             <a:r>
               <a:rPr lang="sv-SE" dirty="0"/>
-              <a:t>[Studentens namn]</a:t>
+              <a:t>Lukas Almgren</a:t>
             </a:r>
           </a:p>
           <a:p>
             <a:r>
               <a:rPr lang="sv-SE" dirty="0"/>
-              <a:t>[Studentens login]</a:t>
+              <a:t>a22lukal</a:t>
             </a:r>
           </a:p>
           <a:p>
@@ -3741,7 +3745,7 @@
         <p:spPr>
           <a:xfrm>
             <a:off x="1055440" y="1844824"/>
-            <a:ext cx="10153128" cy="2031325"/>
+            <a:ext cx="10153128" cy="3693319"/>
           </a:xfrm>
           <a:prstGeom prst="rect">
             <a:avLst/>
@@ -3753,6 +3757,34 @@
             <a:spAutoFit/>
           </a:bodyPr>
           <a:lstStyle/>
+          <a:p>
+            <a:r>
+              <a:rPr lang="sv-SE" dirty="0" err="1"/>
+              <a:t>Arkanoid</a:t>
+            </a:r>
+            <a:endParaRPr lang="sv-SE" dirty="0"/>
+          </a:p>
+          <a:p>
+            <a:endParaRPr lang="sv-SE" dirty="0"/>
+          </a:p>
+          <a:p>
+            <a:r>
+              <a:rPr lang="sv-SE" dirty="0"/>
+              <a:t>Begränsad spelupplevelse</a:t>
+            </a:r>
+          </a:p>
+          <a:p>
+            <a:endParaRPr lang="sv-SE" dirty="0"/>
+          </a:p>
+          <a:p>
+            <a:r>
+              <a:rPr lang="sv-SE" dirty="0"/>
+              <a:t>Datadriven programmering</a:t>
+            </a:r>
+          </a:p>
+          <a:p>
+            <a:endParaRPr lang="sv-SE" dirty="0"/>
+          </a:p>
           <a:p>
             <a:r>
               <a:rPr lang="sv-SE" dirty="0"/>
@@ -3953,8 +3985,8 @@
         </p:nvSpPr>
         <p:spPr>
           <a:xfrm>
-            <a:off x="1055440" y="1916832"/>
-            <a:ext cx="10801200" cy="3970318"/>
+            <a:off x="1055440" y="1703219"/>
+            <a:ext cx="10801200" cy="4524315"/>
           </a:xfrm>
           <a:prstGeom prst="rect">
             <a:avLst/>
@@ -3966,6 +3998,12 @@
             <a:spAutoFit/>
           </a:bodyPr>
           <a:lstStyle/>
+          <a:p>
+            <a:endParaRPr lang="sv-SE" dirty="0"/>
+          </a:p>
+          <a:p>
+            <a:endParaRPr lang="sv-SE" dirty="0"/>
+          </a:p>
           <a:p>
             <a:r>
               <a:rPr lang="sv-SE" dirty="0"/>
